--- a/doc/VIL - Pictures.pptx
+++ b/doc/VIL - Pictures.pptx
@@ -193,7 +193,7 @@
             <a:fld id="{0D4FA89A-6C0B-4A1B-82B2-6CAEB6DD3916}" type="datetimeFigureOut">
               <a:rPr lang="de-DE" smtClean="0"/>
               <a:pPr/>
-              <a:t>30.10.2014</a:t>
+              <a:t>15.09.2015</a:t>
             </a:fld>
             <a:endParaRPr lang="de-DE"/>
           </a:p>
@@ -723,7 +723,7 @@
             <a:fld id="{D696E344-A05E-4437-A2CA-0A134659DBBF}" type="datetimeFigureOut">
               <a:rPr lang="de-DE" smtClean="0"/>
               <a:pPr/>
-              <a:t>30.10.2014</a:t>
+              <a:t>15.09.2015</a:t>
             </a:fld>
             <a:endParaRPr lang="de-DE"/>
           </a:p>
@@ -890,7 +890,7 @@
             <a:fld id="{D696E344-A05E-4437-A2CA-0A134659DBBF}" type="datetimeFigureOut">
               <a:rPr lang="de-DE" smtClean="0"/>
               <a:pPr/>
-              <a:t>30.10.2014</a:t>
+              <a:t>15.09.2015</a:t>
             </a:fld>
             <a:endParaRPr lang="de-DE"/>
           </a:p>
@@ -1067,7 +1067,7 @@
             <a:fld id="{D696E344-A05E-4437-A2CA-0A134659DBBF}" type="datetimeFigureOut">
               <a:rPr lang="de-DE" smtClean="0"/>
               <a:pPr/>
-              <a:t>30.10.2014</a:t>
+              <a:t>15.09.2015</a:t>
             </a:fld>
             <a:endParaRPr lang="de-DE"/>
           </a:p>
@@ -1234,7 +1234,7 @@
             <a:fld id="{D696E344-A05E-4437-A2CA-0A134659DBBF}" type="datetimeFigureOut">
               <a:rPr lang="de-DE" smtClean="0"/>
               <a:pPr/>
-              <a:t>30.10.2014</a:t>
+              <a:t>15.09.2015</a:t>
             </a:fld>
             <a:endParaRPr lang="de-DE"/>
           </a:p>
@@ -1477,7 +1477,7 @@
             <a:fld id="{D696E344-A05E-4437-A2CA-0A134659DBBF}" type="datetimeFigureOut">
               <a:rPr lang="de-DE" smtClean="0"/>
               <a:pPr/>
-              <a:t>30.10.2014</a:t>
+              <a:t>15.09.2015</a:t>
             </a:fld>
             <a:endParaRPr lang="de-DE"/>
           </a:p>
@@ -1762,7 +1762,7 @@
             <a:fld id="{D696E344-A05E-4437-A2CA-0A134659DBBF}" type="datetimeFigureOut">
               <a:rPr lang="de-DE" smtClean="0"/>
               <a:pPr/>
-              <a:t>30.10.2014</a:t>
+              <a:t>15.09.2015</a:t>
             </a:fld>
             <a:endParaRPr lang="de-DE"/>
           </a:p>
@@ -2181,7 +2181,7 @@
             <a:fld id="{D696E344-A05E-4437-A2CA-0A134659DBBF}" type="datetimeFigureOut">
               <a:rPr lang="de-DE" smtClean="0"/>
               <a:pPr/>
-              <a:t>30.10.2014</a:t>
+              <a:t>15.09.2015</a:t>
             </a:fld>
             <a:endParaRPr lang="de-DE"/>
           </a:p>
@@ -2296,7 +2296,7 @@
             <a:fld id="{D696E344-A05E-4437-A2CA-0A134659DBBF}" type="datetimeFigureOut">
               <a:rPr lang="de-DE" smtClean="0"/>
               <a:pPr/>
-              <a:t>30.10.2014</a:t>
+              <a:t>15.09.2015</a:t>
             </a:fld>
             <a:endParaRPr lang="de-DE"/>
           </a:p>
@@ -2388,7 +2388,7 @@
             <a:fld id="{D696E344-A05E-4437-A2CA-0A134659DBBF}" type="datetimeFigureOut">
               <a:rPr lang="de-DE" smtClean="0"/>
               <a:pPr/>
-              <a:t>30.10.2014</a:t>
+              <a:t>15.09.2015</a:t>
             </a:fld>
             <a:endParaRPr lang="de-DE"/>
           </a:p>
@@ -2662,7 +2662,7 @@
             <a:fld id="{D696E344-A05E-4437-A2CA-0A134659DBBF}" type="datetimeFigureOut">
               <a:rPr lang="de-DE" smtClean="0"/>
               <a:pPr/>
-              <a:t>30.10.2014</a:t>
+              <a:t>15.09.2015</a:t>
             </a:fld>
             <a:endParaRPr lang="de-DE"/>
           </a:p>
@@ -2912,7 +2912,7 @@
             <a:fld id="{D696E344-A05E-4437-A2CA-0A134659DBBF}" type="datetimeFigureOut">
               <a:rPr lang="de-DE" smtClean="0"/>
               <a:pPr/>
-              <a:t>30.10.2014</a:t>
+              <a:t>15.09.2015</a:t>
             </a:fld>
             <a:endParaRPr lang="de-DE"/>
           </a:p>
@@ -3122,7 +3122,7 @@
             <a:fld id="{D696E344-A05E-4437-A2CA-0A134659DBBF}" type="datetimeFigureOut">
               <a:rPr lang="de-DE" smtClean="0"/>
               <a:pPr/>
-              <a:t>30.10.2014</a:t>
+              <a:t>15.09.2015</a:t>
             </a:fld>
             <a:endParaRPr lang="de-DE"/>
           </a:p>
@@ -3501,8 +3501,8 @@
         </p:nvSpPr>
         <p:spPr>
           <a:xfrm>
-            <a:off x="1846127" y="707211"/>
-            <a:ext cx="982641" cy="369332"/>
+            <a:off x="2208977" y="808809"/>
+            <a:ext cx="539443" cy="369332"/>
           </a:xfrm>
           <a:prstGeom prst="rect">
             <a:avLst/>
@@ -3522,7 +3522,7 @@
           <a:p>
             <a:r>
               <a:rPr lang="de-DE" dirty="0" err="1" smtClean="0"/>
-              <a:t>AnyType</a:t>
+              <a:t>Any</a:t>
             </a:r>
             <a:endParaRPr lang="de-DE" dirty="0"/>
           </a:p>
@@ -3942,8 +3942,8 @@
         </p:nvCxnSpPr>
         <p:spPr>
           <a:xfrm flipV="1">
-            <a:off x="-15565" y="1076543"/>
-            <a:ext cx="2353013" cy="594110"/>
+            <a:off x="-15565" y="1178141"/>
+            <a:ext cx="2494264" cy="492512"/>
           </a:xfrm>
           <a:prstGeom prst="straightConnector1">
             <a:avLst/>
@@ -3978,8 +3978,8 @@
         </p:nvCxnSpPr>
         <p:spPr>
           <a:xfrm flipV="1">
-            <a:off x="113706" y="1076543"/>
-            <a:ext cx="2223742" cy="1348853"/>
+            <a:off x="113706" y="1178141"/>
+            <a:ext cx="2364993" cy="1247255"/>
           </a:xfrm>
           <a:prstGeom prst="straightConnector1">
             <a:avLst/>
@@ -4014,8 +4014,8 @@
         </p:nvCxnSpPr>
         <p:spPr>
           <a:xfrm flipV="1">
-            <a:off x="832441" y="1076543"/>
-            <a:ext cx="1505007" cy="1348853"/>
+            <a:off x="832441" y="1178141"/>
+            <a:ext cx="1646258" cy="1247255"/>
           </a:xfrm>
           <a:prstGeom prst="straightConnector1">
             <a:avLst/>
@@ -4086,8 +4086,8 @@
         </p:nvCxnSpPr>
         <p:spPr>
           <a:xfrm flipV="1">
-            <a:off x="1665275" y="1076543"/>
-            <a:ext cx="672173" cy="1348853"/>
+            <a:off x="1665275" y="1178141"/>
+            <a:ext cx="813424" cy="1247255"/>
           </a:xfrm>
           <a:prstGeom prst="straightConnector1">
             <a:avLst/>
@@ -4122,8 +4122,8 @@
         </p:nvCxnSpPr>
         <p:spPr>
           <a:xfrm flipH="1" flipV="1">
-            <a:off x="2337448" y="1076543"/>
-            <a:ext cx="1494631" cy="2945425"/>
+            <a:off x="2478699" y="1178141"/>
+            <a:ext cx="1353380" cy="2843827"/>
           </a:xfrm>
           <a:prstGeom prst="straightConnector1">
             <a:avLst/>
@@ -4230,8 +4230,8 @@
         </p:nvCxnSpPr>
         <p:spPr>
           <a:xfrm flipH="1" flipV="1">
-            <a:off x="2337448" y="1076543"/>
-            <a:ext cx="4134461" cy="773504"/>
+            <a:off x="2478699" y="1178141"/>
+            <a:ext cx="3993210" cy="671906"/>
           </a:xfrm>
           <a:prstGeom prst="straightConnector1">
             <a:avLst/>
@@ -4341,8 +4341,8 @@
         </p:nvCxnSpPr>
         <p:spPr>
           <a:xfrm flipH="1" flipV="1">
-            <a:off x="2337448" y="1076543"/>
-            <a:ext cx="149065" cy="2945425"/>
+            <a:off x="2478699" y="1178141"/>
+            <a:ext cx="7814" cy="2843827"/>
           </a:xfrm>
           <a:prstGeom prst="straightConnector1">
             <a:avLst/>
@@ -4909,8 +4909,8 @@
         </p:nvCxnSpPr>
         <p:spPr>
           <a:xfrm flipH="1" flipV="1">
-            <a:off x="2337448" y="1076543"/>
-            <a:ext cx="5008378" cy="781525"/>
+            <a:off x="2478699" y="1178141"/>
+            <a:ext cx="4867127" cy="679927"/>
           </a:xfrm>
           <a:prstGeom prst="straightConnector1">
             <a:avLst/>
@@ -4945,8 +4945,8 @@
         </p:nvCxnSpPr>
         <p:spPr>
           <a:xfrm flipH="1" flipV="1">
-            <a:off x="2337448" y="1076543"/>
-            <a:ext cx="2104038" cy="782796"/>
+            <a:off x="2478699" y="1178141"/>
+            <a:ext cx="1962787" cy="681198"/>
           </a:xfrm>
           <a:prstGeom prst="straightConnector1">
             <a:avLst/>

--- a/doc/VIL - Pictures.pptx
+++ b/doc/VIL - Pictures.pptx
@@ -1,6 +1,6 @@
 
 <file path=ppt/presentation.xml><?xml version="1.0" encoding="utf-8"?>
-<p:presentation xmlns:a="http://schemas.openxmlformats.org/drawingml/2006/main" xmlns:r="http://schemas.openxmlformats.org/officeDocument/2006/relationships" xmlns:p="http://schemas.openxmlformats.org/presentationml/2006/main" saveSubsetFonts="1">
+<p:presentation xmlns:a="http://schemas.openxmlformats.org/drawingml/2006/main" xmlns:r="http://schemas.openxmlformats.org/officeDocument/2006/relationships" xmlns:p="http://schemas.openxmlformats.org/presentationml/2006/main" serverZoom="32059" saveSubsetFonts="1">
   <p:sldMasterIdLst>
     <p:sldMasterId id="2147483648" r:id="rId1"/>
   </p:sldMasterIdLst>
@@ -193,7 +193,7 @@
             <a:fld id="{0D4FA89A-6C0B-4A1B-82B2-6CAEB6DD3916}" type="datetimeFigureOut">
               <a:rPr lang="de-DE" smtClean="0"/>
               <a:pPr/>
-              <a:t>15.09.2015</a:t>
+              <a:t>01.10.2017</a:t>
             </a:fld>
             <a:endParaRPr lang="de-DE"/>
           </a:p>
@@ -723,7 +723,7 @@
             <a:fld id="{D696E344-A05E-4437-A2CA-0A134659DBBF}" type="datetimeFigureOut">
               <a:rPr lang="de-DE" smtClean="0"/>
               <a:pPr/>
-              <a:t>15.09.2015</a:t>
+              <a:t>01.10.2017</a:t>
             </a:fld>
             <a:endParaRPr lang="de-DE"/>
           </a:p>
@@ -890,7 +890,7 @@
             <a:fld id="{D696E344-A05E-4437-A2CA-0A134659DBBF}" type="datetimeFigureOut">
               <a:rPr lang="de-DE" smtClean="0"/>
               <a:pPr/>
-              <a:t>15.09.2015</a:t>
+              <a:t>01.10.2017</a:t>
             </a:fld>
             <a:endParaRPr lang="de-DE"/>
           </a:p>
@@ -1067,7 +1067,7 @@
             <a:fld id="{D696E344-A05E-4437-A2CA-0A134659DBBF}" type="datetimeFigureOut">
               <a:rPr lang="de-DE" smtClean="0"/>
               <a:pPr/>
-              <a:t>15.09.2015</a:t>
+              <a:t>01.10.2017</a:t>
             </a:fld>
             <a:endParaRPr lang="de-DE"/>
           </a:p>
@@ -1234,7 +1234,7 @@
             <a:fld id="{D696E344-A05E-4437-A2CA-0A134659DBBF}" type="datetimeFigureOut">
               <a:rPr lang="de-DE" smtClean="0"/>
               <a:pPr/>
-              <a:t>15.09.2015</a:t>
+              <a:t>01.10.2017</a:t>
             </a:fld>
             <a:endParaRPr lang="de-DE"/>
           </a:p>
@@ -1477,7 +1477,7 @@
             <a:fld id="{D696E344-A05E-4437-A2CA-0A134659DBBF}" type="datetimeFigureOut">
               <a:rPr lang="de-DE" smtClean="0"/>
               <a:pPr/>
-              <a:t>15.09.2015</a:t>
+              <a:t>01.10.2017</a:t>
             </a:fld>
             <a:endParaRPr lang="de-DE"/>
           </a:p>
@@ -1762,7 +1762,7 @@
             <a:fld id="{D696E344-A05E-4437-A2CA-0A134659DBBF}" type="datetimeFigureOut">
               <a:rPr lang="de-DE" smtClean="0"/>
               <a:pPr/>
-              <a:t>15.09.2015</a:t>
+              <a:t>01.10.2017</a:t>
             </a:fld>
             <a:endParaRPr lang="de-DE"/>
           </a:p>
@@ -2181,7 +2181,7 @@
             <a:fld id="{D696E344-A05E-4437-A2CA-0A134659DBBF}" type="datetimeFigureOut">
               <a:rPr lang="de-DE" smtClean="0"/>
               <a:pPr/>
-              <a:t>15.09.2015</a:t>
+              <a:t>01.10.2017</a:t>
             </a:fld>
             <a:endParaRPr lang="de-DE"/>
           </a:p>
@@ -2296,7 +2296,7 @@
             <a:fld id="{D696E344-A05E-4437-A2CA-0A134659DBBF}" type="datetimeFigureOut">
               <a:rPr lang="de-DE" smtClean="0"/>
               <a:pPr/>
-              <a:t>15.09.2015</a:t>
+              <a:t>01.10.2017</a:t>
             </a:fld>
             <a:endParaRPr lang="de-DE"/>
           </a:p>
@@ -2388,7 +2388,7 @@
             <a:fld id="{D696E344-A05E-4437-A2CA-0A134659DBBF}" type="datetimeFigureOut">
               <a:rPr lang="de-DE" smtClean="0"/>
               <a:pPr/>
-              <a:t>15.09.2015</a:t>
+              <a:t>01.10.2017</a:t>
             </a:fld>
             <a:endParaRPr lang="de-DE"/>
           </a:p>
@@ -2662,7 +2662,7 @@
             <a:fld id="{D696E344-A05E-4437-A2CA-0A134659DBBF}" type="datetimeFigureOut">
               <a:rPr lang="de-DE" smtClean="0"/>
               <a:pPr/>
-              <a:t>15.09.2015</a:t>
+              <a:t>01.10.2017</a:t>
             </a:fld>
             <a:endParaRPr lang="de-DE"/>
           </a:p>
@@ -2912,7 +2912,7 @@
             <a:fld id="{D696E344-A05E-4437-A2CA-0A134659DBBF}" type="datetimeFigureOut">
               <a:rPr lang="de-DE" smtClean="0"/>
               <a:pPr/>
-              <a:t>15.09.2015</a:t>
+              <a:t>01.10.2017</a:t>
             </a:fld>
             <a:endParaRPr lang="de-DE"/>
           </a:p>
@@ -3122,7 +3122,7 @@
             <a:fld id="{D696E344-A05E-4437-A2CA-0A134659DBBF}" type="datetimeFigureOut">
               <a:rPr lang="de-DE" smtClean="0"/>
               <a:pPr/>
-              <a:t>15.09.2015</a:t>
+              <a:t>01.10.2017</a:t>
             </a:fld>
             <a:endParaRPr lang="de-DE"/>
           </a:p>
@@ -3791,7 +3791,7 @@
         </p:nvSpPr>
         <p:spPr>
           <a:xfrm>
-            <a:off x="3108964" y="4021968"/>
+            <a:off x="2853784" y="4319678"/>
             <a:ext cx="1446230" cy="369332"/>
           </a:xfrm>
           <a:prstGeom prst="rect">
@@ -3830,7 +3830,7 @@
         </p:nvSpPr>
         <p:spPr>
           <a:xfrm>
-            <a:off x="2697873" y="4742048"/>
+            <a:off x="2442693" y="5039758"/>
             <a:ext cx="818237" cy="369332"/>
           </a:xfrm>
           <a:prstGeom prst="rect">
@@ -3865,7 +3865,7 @@
         </p:nvSpPr>
         <p:spPr>
           <a:xfrm>
-            <a:off x="3660126" y="4742048"/>
+            <a:off x="3404946" y="5039758"/>
             <a:ext cx="1443024" cy="369332"/>
           </a:xfrm>
           <a:prstGeom prst="rect">
@@ -4123,7 +4123,7 @@
         <p:spPr>
           <a:xfrm flipH="1" flipV="1">
             <a:off x="2478699" y="1178141"/>
-            <a:ext cx="1353380" cy="2843827"/>
+            <a:ext cx="1098200" cy="3141537"/>
           </a:xfrm>
           <a:prstGeom prst="straightConnector1">
             <a:avLst/>
@@ -4158,7 +4158,7 @@
         </p:nvCxnSpPr>
         <p:spPr>
           <a:xfrm flipV="1">
-            <a:off x="3106992" y="4391300"/>
+            <a:off x="2851812" y="4689010"/>
             <a:ext cx="725087" cy="350748"/>
           </a:xfrm>
           <a:prstGeom prst="straightConnector1">
@@ -4194,7 +4194,7 @@
         </p:nvCxnSpPr>
         <p:spPr>
           <a:xfrm flipH="1" flipV="1">
-            <a:off x="3832079" y="4391300"/>
+            <a:off x="3576899" y="4689010"/>
             <a:ext cx="549559" cy="350748"/>
           </a:xfrm>
           <a:prstGeom prst="straightConnector1">
@@ -4299,7 +4299,7 @@
         </p:nvSpPr>
         <p:spPr>
           <a:xfrm>
-            <a:off x="1917094" y="4021968"/>
+            <a:off x="1661914" y="4319678"/>
             <a:ext cx="1138838" cy="369332"/>
           </a:xfrm>
           <a:prstGeom prst="rect">
@@ -4340,9 +4340,9 @@
           <p:nvPr/>
         </p:nvCxnSpPr>
         <p:spPr>
-          <a:xfrm flipH="1" flipV="1">
-            <a:off x="2478699" y="1178141"/>
-            <a:ext cx="7814" cy="2843827"/>
+          <a:xfrm flipV="1">
+            <a:off x="2231333" y="1178141"/>
+            <a:ext cx="247366" cy="3141537"/>
           </a:xfrm>
           <a:prstGeom prst="straightConnector1">
             <a:avLst/>
@@ -5022,7 +5022,7 @@
         </p:nvSpPr>
         <p:spPr>
           <a:xfrm>
-            <a:off x="1883799" y="3973860"/>
+            <a:off x="1628619" y="4271570"/>
             <a:ext cx="3288630" cy="1347537"/>
           </a:xfrm>
           <a:prstGeom prst="rect">
@@ -5272,7 +5272,7 @@
         </p:nvSpPr>
         <p:spPr>
           <a:xfrm>
-            <a:off x="1817567" y="5088770"/>
+            <a:off x="1562387" y="5386480"/>
             <a:ext cx="2288063" cy="307777"/>
           </a:xfrm>
           <a:prstGeom prst="rect">
@@ -5382,6 +5382,121 @@
           <a:xfrm flipV="1">
             <a:off x="6177459" y="3600528"/>
             <a:ext cx="1551874" cy="887681"/>
+          </a:xfrm>
+          <a:prstGeom prst="straightConnector1">
+            <a:avLst/>
+          </a:prstGeom>
+          <a:ln>
+            <a:tailEnd type="arrow"/>
+          </a:ln>
+        </p:spPr>
+        <p:style>
+          <a:lnRef idx="1">
+            <a:schemeClr val="accent1"/>
+          </a:lnRef>
+          <a:fillRef idx="0">
+            <a:schemeClr val="accent1"/>
+          </a:fillRef>
+          <a:effectRef idx="0">
+            <a:schemeClr val="accent1"/>
+          </a:effectRef>
+          <a:fontRef idx="minor">
+            <a:schemeClr val="tx1"/>
+          </a:fontRef>
+        </p:style>
+      </p:cxnSp>
+      <p:sp>
+        <p:nvSpPr>
+          <p:cNvPr id="59" name="Cloud 58"/>
+          <p:cNvSpPr/>
+          <p:nvPr/>
+        </p:nvSpPr>
+        <p:spPr>
+          <a:xfrm>
+            <a:off x="3591434" y="3295516"/>
+            <a:ext cx="1573832" cy="936104"/>
+          </a:xfrm>
+          <a:prstGeom prst="cloud">
+            <a:avLst/>
+          </a:prstGeom>
+          <a:noFill/>
+        </p:spPr>
+        <p:style>
+          <a:lnRef idx="2">
+            <a:schemeClr val="accent1">
+              <a:shade val="50000"/>
+            </a:schemeClr>
+          </a:lnRef>
+          <a:fillRef idx="1">
+            <a:schemeClr val="accent1"/>
+          </a:fillRef>
+          <a:effectRef idx="0">
+            <a:schemeClr val="accent1"/>
+          </a:effectRef>
+          <a:fontRef idx="minor">
+            <a:schemeClr val="lt1"/>
+          </a:fontRef>
+        </p:style>
+        <p:txBody>
+          <a:bodyPr rtlCol="0" anchor="ctr"/>
+          <a:lstStyle/>
+          <a:p>
+            <a:pPr algn="ctr"/>
+            <a:endParaRPr lang="de-DE"/>
+          </a:p>
+        </p:txBody>
+      </p:sp>
+      <p:sp>
+        <p:nvSpPr>
+          <p:cNvPr id="60" name="TextBox 59"/>
+          <p:cNvSpPr txBox="1"/>
+          <p:nvPr/>
+        </p:nvSpPr>
+        <p:spPr>
+          <a:xfrm>
+            <a:off x="3806750" y="3455574"/>
+            <a:ext cx="1223412" cy="646331"/>
+          </a:xfrm>
+          <a:prstGeom prst="rect">
+            <a:avLst/>
+          </a:prstGeom>
+          <a:noFill/>
+        </p:spPr>
+        <p:txBody>
+          <a:bodyPr wrap="none" rtlCol="0">
+            <a:spAutoFit/>
+          </a:bodyPr>
+          <a:lstStyle/>
+          <a:p>
+            <a:pPr algn="ctr"/>
+            <a:r>
+              <a:rPr lang="de-DE" dirty="0" err="1" smtClean="0"/>
+              <a:t>Compound</a:t>
+            </a:r>
+            <a:endParaRPr lang="de-DE" dirty="0" smtClean="0"/>
+          </a:p>
+          <a:p>
+            <a:pPr algn="ctr"/>
+            <a:r>
+              <a:rPr lang="de-DE" dirty="0" err="1" smtClean="0"/>
+              <a:t>types</a:t>
+            </a:r>
+            <a:endParaRPr lang="de-DE" dirty="0"/>
+          </a:p>
+        </p:txBody>
+      </p:sp>
+      <p:cxnSp>
+        <p:nvCxnSpPr>
+          <p:cNvPr id="61" name="Straight Arrow Connector 60"/>
+          <p:cNvCxnSpPr>
+            <a:endCxn id="4" idx="2"/>
+          </p:cNvCxnSpPr>
+          <p:nvPr/>
+        </p:nvCxnSpPr>
+        <p:spPr>
+          <a:xfrm flipH="1" flipV="1">
+            <a:off x="2478699" y="1178141"/>
+            <a:ext cx="1327757" cy="2181747"/>
           </a:xfrm>
           <a:prstGeom prst="straightConnector1">
             <a:avLst/>
